--- a/src/presentation/Codingwarriors.pptx
+++ b/src/presentation/Codingwarriors.pptx
@@ -275,7 +275,7 @@
           <a:p>
             <a:fld id="{157F21B9-E034-4324-AC08-9CA98376BE26}" type="datetimeFigureOut">
               <a:rPr lang="nb-NO" smtClean="0"/>
-              <a:t>19.02.2019</a:t>
+              <a:t>21.02.2019</a:t>
             </a:fld>
             <a:endParaRPr lang="nb-NO"/>
           </a:p>
@@ -473,7 +473,7 @@
           <a:p>
             <a:fld id="{157F21B9-E034-4324-AC08-9CA98376BE26}" type="datetimeFigureOut">
               <a:rPr lang="nb-NO" smtClean="0"/>
-              <a:t>19.02.2019</a:t>
+              <a:t>21.02.2019</a:t>
             </a:fld>
             <a:endParaRPr lang="nb-NO"/>
           </a:p>
@@ -681,7 +681,7 @@
           <a:p>
             <a:fld id="{157F21B9-E034-4324-AC08-9CA98376BE26}" type="datetimeFigureOut">
               <a:rPr lang="nb-NO" smtClean="0"/>
-              <a:t>19.02.2019</a:t>
+              <a:t>21.02.2019</a:t>
             </a:fld>
             <a:endParaRPr lang="nb-NO"/>
           </a:p>
@@ -879,7 +879,7 @@
           <a:p>
             <a:fld id="{157F21B9-E034-4324-AC08-9CA98376BE26}" type="datetimeFigureOut">
               <a:rPr lang="nb-NO" smtClean="0"/>
-              <a:t>19.02.2019</a:t>
+              <a:t>21.02.2019</a:t>
             </a:fld>
             <a:endParaRPr lang="nb-NO"/>
           </a:p>
@@ -1154,7 +1154,7 @@
           <a:p>
             <a:fld id="{157F21B9-E034-4324-AC08-9CA98376BE26}" type="datetimeFigureOut">
               <a:rPr lang="nb-NO" smtClean="0"/>
-              <a:t>19.02.2019</a:t>
+              <a:t>21.02.2019</a:t>
             </a:fld>
             <a:endParaRPr lang="nb-NO"/>
           </a:p>
@@ -1419,7 +1419,7 @@
           <a:p>
             <a:fld id="{157F21B9-E034-4324-AC08-9CA98376BE26}" type="datetimeFigureOut">
               <a:rPr lang="nb-NO" smtClean="0"/>
-              <a:t>19.02.2019</a:t>
+              <a:t>21.02.2019</a:t>
             </a:fld>
             <a:endParaRPr lang="nb-NO"/>
           </a:p>
@@ -1831,7 +1831,7 @@
           <a:p>
             <a:fld id="{157F21B9-E034-4324-AC08-9CA98376BE26}" type="datetimeFigureOut">
               <a:rPr lang="nb-NO" smtClean="0"/>
-              <a:t>19.02.2019</a:t>
+              <a:t>21.02.2019</a:t>
             </a:fld>
             <a:endParaRPr lang="nb-NO"/>
           </a:p>
@@ -1972,7 +1972,7 @@
           <a:p>
             <a:fld id="{157F21B9-E034-4324-AC08-9CA98376BE26}" type="datetimeFigureOut">
               <a:rPr lang="nb-NO" smtClean="0"/>
-              <a:t>19.02.2019</a:t>
+              <a:t>21.02.2019</a:t>
             </a:fld>
             <a:endParaRPr lang="nb-NO"/>
           </a:p>
@@ -2085,7 +2085,7 @@
           <a:p>
             <a:fld id="{157F21B9-E034-4324-AC08-9CA98376BE26}" type="datetimeFigureOut">
               <a:rPr lang="nb-NO" smtClean="0"/>
-              <a:t>19.02.2019</a:t>
+              <a:t>21.02.2019</a:t>
             </a:fld>
             <a:endParaRPr lang="nb-NO"/>
           </a:p>
@@ -2396,7 +2396,7 @@
           <a:p>
             <a:fld id="{157F21B9-E034-4324-AC08-9CA98376BE26}" type="datetimeFigureOut">
               <a:rPr lang="nb-NO" smtClean="0"/>
-              <a:t>19.02.2019</a:t>
+              <a:t>21.02.2019</a:t>
             </a:fld>
             <a:endParaRPr lang="nb-NO"/>
           </a:p>
@@ -2684,7 +2684,7 @@
           <a:p>
             <a:fld id="{157F21B9-E034-4324-AC08-9CA98376BE26}" type="datetimeFigureOut">
               <a:rPr lang="nb-NO" smtClean="0"/>
-              <a:t>19.02.2019</a:t>
+              <a:t>21.02.2019</a:t>
             </a:fld>
             <a:endParaRPr lang="nb-NO"/>
           </a:p>
@@ -2925,7 +2925,7 @@
           <a:p>
             <a:fld id="{157F21B9-E034-4324-AC08-9CA98376BE26}" type="datetimeFigureOut">
               <a:rPr lang="nb-NO" smtClean="0"/>
-              <a:t>19.02.2019</a:t>
+              <a:t>21.02.2019</a:t>
             </a:fld>
             <a:endParaRPr lang="nb-NO"/>
           </a:p>
@@ -3510,7 +3510,15 @@
           <a:p>
             <a:r>
               <a:rPr lang="nb-NO" dirty="0"/>
-              <a:t>Eirin Ervik</a:t>
+              <a:t>Eirin </a:t>
+            </a:r>
+            <a:r>
+              <a:rPr lang="nb-NO" dirty="0" err="1"/>
+              <a:t>Ormbostad</a:t>
+            </a:r>
+            <a:r>
+              <a:rPr lang="nb-NO" dirty="0"/>
+              <a:t> Ervik</a:t>
             </a:r>
           </a:p>
         </p:txBody>
@@ -3640,7 +3648,7 @@
             </a:r>
             <a:r>
               <a:rPr lang="nb-NO" dirty="0"/>
-              <a:t>:</a:t>
+              <a:t>: Planlegging av arbeid, arbeidet deles i oppgaver og gruppemedlemmene tok de oppgavene som passet best.</a:t>
             </a:r>
           </a:p>
         </p:txBody>
@@ -3998,7 +4006,7 @@
         <p:spPr/>
         <p:txBody>
           <a:bodyPr>
-            <a:normAutofit fontScale="92500" lnSpcReduction="20000"/>
+            <a:normAutofit fontScale="85000" lnSpcReduction="20000"/>
           </a:bodyPr>
           <a:lstStyle/>
           <a:p>
@@ -4056,6 +4064,20 @@
             <a:r>
               <a:rPr lang="nb-NO" dirty="0"/>
               <a:t> og rydding i koden</a:t>
+            </a:r>
+          </a:p>
+          <a:p>
+            <a:r>
+              <a:rPr lang="nb-NO" dirty="0"/>
+              <a:t>Få inn resten av objektene (</a:t>
+            </a:r>
+            <a:r>
+              <a:rPr lang="nb-NO" dirty="0" err="1"/>
+              <a:t>IObject</a:t>
+            </a:r>
+            <a:r>
+              <a:rPr lang="nb-NO" dirty="0"/>
+              <a:t>) på brettet</a:t>
             </a:r>
           </a:p>
           <a:p>

--- a/src/presentation/Codingwarriors.pptx
+++ b/src/presentation/Codingwarriors.pptx
@@ -3398,6 +3398,12 @@
             </a:r>
             <a:endParaRPr lang="nb-NO" dirty="0"/>
           </a:p>
+          <a:p>
+            <a:r>
+              <a:rPr lang="nb-NO" dirty="0"/>
+              <a:t>(Gruppe 7 – Grønt lag)</a:t>
+            </a:r>
+          </a:p>
         </p:txBody>
       </p:sp>
     </p:spTree>
@@ -3612,6 +3618,14 @@
               <a:rPr lang="nb-NO" dirty="0" err="1"/>
               <a:t>Projectboard</a:t>
             </a:r>
+            <a:r>
+              <a:rPr lang="nb-NO" dirty="0"/>
+              <a:t>, </a:t>
+            </a:r>
+            <a:r>
+              <a:rPr lang="nb-NO" dirty="0" err="1"/>
+              <a:t>Github</a:t>
+            </a:r>
             <a:endParaRPr lang="nb-NO" dirty="0"/>
           </a:p>
           <a:p>
@@ -3648,7 +3662,7 @@
             </a:r>
             <a:r>
               <a:rPr lang="nb-NO" dirty="0"/>
-              <a:t>: Planlegging av arbeid, arbeidet deles i oppgaver og gruppemedlemmene tok de oppgavene som passet best.</a:t>
+              <a:t>: Planlegging av arbeid, arbeidet deles i oppgaver og gruppemedlemmene tok de oppgavene som passet best. Samkjøring og retrospektivt perspektiv etterpå.</a:t>
             </a:r>
           </a:p>
         </p:txBody>
@@ -4006,7 +4020,7 @@
         <p:spPr/>
         <p:txBody>
           <a:bodyPr>
-            <a:normAutofit fontScale="85000" lnSpcReduction="20000"/>
+            <a:normAutofit fontScale="77500" lnSpcReduction="20000"/>
           </a:bodyPr>
           <a:lstStyle/>
           <a:p>
@@ -4085,6 +4099,17 @@
               <a:rPr lang="nb-NO" dirty="0"/>
               <a:t>NPC?</a:t>
             </a:r>
+          </a:p>
+          <a:p>
+            <a:r>
+              <a:rPr lang="nb-NO" dirty="0"/>
+              <a:t>Støtte </a:t>
+            </a:r>
+            <a:r>
+              <a:rPr lang="nb-NO" dirty="0" err="1"/>
+              <a:t>fullskjermmodus</a:t>
+            </a:r>
+            <a:endParaRPr lang="nb-NO" dirty="0"/>
           </a:p>
         </p:txBody>
       </p:sp>
